--- a/Viccportál.pptx
+++ b/Viccportál.pptx
@@ -19,6 +19,10 @@
     <p:sldId id="267" r:id="rId13"/>
     <p:sldId id="266" r:id="rId14"/>
     <p:sldId id="268" r:id="rId15"/>
+    <p:sldId id="270" r:id="rId16"/>
+    <p:sldId id="271" r:id="rId17"/>
+    <p:sldId id="272" r:id="rId18"/>
+    <p:sldId id="273" r:id="rId19"/>
   </p:sldIdLst>
   <p:sldSz cx="12192000" cy="6858000"/>
   <p:notesSz cx="6858000" cy="9144000"/>
@@ -254,7 +258,7 @@
           <a:p>
             <a:fld id="{BC09B63E-A96B-49AD-8265-E80413D1CCD5}" type="datetimeFigureOut">
               <a:rPr lang="hu-HU" smtClean="0"/>
-              <a:t>2024. 11. 17.</a:t>
+              <a:t>2024. 12. 08.</a:t>
             </a:fld>
             <a:endParaRPr lang="hu-HU"/>
           </a:p>
@@ -422,7 +426,7 @@
           <a:p>
             <a:fld id="{BC09B63E-A96B-49AD-8265-E80413D1CCD5}" type="datetimeFigureOut">
               <a:rPr lang="hu-HU" smtClean="0"/>
-              <a:t>2024. 11. 17.</a:t>
+              <a:t>2024. 12. 08.</a:t>
             </a:fld>
             <a:endParaRPr lang="hu-HU"/>
           </a:p>
@@ -600,7 +604,7 @@
           <a:p>
             <a:fld id="{BC09B63E-A96B-49AD-8265-E80413D1CCD5}" type="datetimeFigureOut">
               <a:rPr lang="hu-HU" smtClean="0"/>
-              <a:t>2024. 11. 17.</a:t>
+              <a:t>2024. 12. 08.</a:t>
             </a:fld>
             <a:endParaRPr lang="hu-HU"/>
           </a:p>
@@ -768,7 +772,7 @@
           <a:p>
             <a:fld id="{BC09B63E-A96B-49AD-8265-E80413D1CCD5}" type="datetimeFigureOut">
               <a:rPr lang="hu-HU" smtClean="0"/>
-              <a:t>2024. 11. 17.</a:t>
+              <a:t>2024. 12. 08.</a:t>
             </a:fld>
             <a:endParaRPr lang="hu-HU"/>
           </a:p>
@@ -1013,7 +1017,7 @@
           <a:p>
             <a:fld id="{BC09B63E-A96B-49AD-8265-E80413D1CCD5}" type="datetimeFigureOut">
               <a:rPr lang="hu-HU" smtClean="0"/>
-              <a:t>2024. 11. 17.</a:t>
+              <a:t>2024. 12. 08.</a:t>
             </a:fld>
             <a:endParaRPr lang="hu-HU"/>
           </a:p>
@@ -1242,7 +1246,7 @@
           <a:p>
             <a:fld id="{BC09B63E-A96B-49AD-8265-E80413D1CCD5}" type="datetimeFigureOut">
               <a:rPr lang="hu-HU" smtClean="0"/>
-              <a:t>2024. 11. 17.</a:t>
+              <a:t>2024. 12. 08.</a:t>
             </a:fld>
             <a:endParaRPr lang="hu-HU"/>
           </a:p>
@@ -1606,7 +1610,7 @@
           <a:p>
             <a:fld id="{BC09B63E-A96B-49AD-8265-E80413D1CCD5}" type="datetimeFigureOut">
               <a:rPr lang="hu-HU" smtClean="0"/>
-              <a:t>2024. 11. 17.</a:t>
+              <a:t>2024. 12. 08.</a:t>
             </a:fld>
             <a:endParaRPr lang="hu-HU"/>
           </a:p>
@@ -1723,7 +1727,7 @@
           <a:p>
             <a:fld id="{BC09B63E-A96B-49AD-8265-E80413D1CCD5}" type="datetimeFigureOut">
               <a:rPr lang="hu-HU" smtClean="0"/>
-              <a:t>2024. 11. 17.</a:t>
+              <a:t>2024. 12. 08.</a:t>
             </a:fld>
             <a:endParaRPr lang="hu-HU"/>
           </a:p>
@@ -1818,7 +1822,7 @@
           <a:p>
             <a:fld id="{BC09B63E-A96B-49AD-8265-E80413D1CCD5}" type="datetimeFigureOut">
               <a:rPr lang="hu-HU" smtClean="0"/>
-              <a:t>2024. 11. 17.</a:t>
+              <a:t>2024. 12. 08.</a:t>
             </a:fld>
             <a:endParaRPr lang="hu-HU"/>
           </a:p>
@@ -2093,7 +2097,7 @@
           <a:p>
             <a:fld id="{BC09B63E-A96B-49AD-8265-E80413D1CCD5}" type="datetimeFigureOut">
               <a:rPr lang="hu-HU" smtClean="0"/>
-              <a:t>2024. 11. 17.</a:t>
+              <a:t>2024. 12. 08.</a:t>
             </a:fld>
             <a:endParaRPr lang="hu-HU"/>
           </a:p>
@@ -2345,7 +2349,7 @@
           <a:p>
             <a:fld id="{BC09B63E-A96B-49AD-8265-E80413D1CCD5}" type="datetimeFigureOut">
               <a:rPr lang="hu-HU" smtClean="0"/>
-              <a:t>2024. 11. 17.</a:t>
+              <a:t>2024. 12. 08.</a:t>
             </a:fld>
             <a:endParaRPr lang="hu-HU"/>
           </a:p>
@@ -2562,7 +2566,7 @@
           <a:p>
             <a:fld id="{BC09B63E-A96B-49AD-8265-E80413D1CCD5}" type="datetimeFigureOut">
               <a:rPr lang="hu-HU" smtClean="0"/>
-              <a:t>2024. 11. 17.</a:t>
+              <a:t>2024. 12. 08.</a:t>
             </a:fld>
             <a:endParaRPr lang="hu-HU"/>
           </a:p>
@@ -3002,6 +3006,13 @@
   <p:transition spd="slow">
     <p:push dir="r"/>
   </p:transition>
+  <p:timing>
+    <p:tnLst>
+      <p:par>
+        <p:cTn id="1" dur="indefinite" restart="never" nodeType="tmRoot"/>
+      </p:par>
+    </p:tnLst>
+  </p:timing>
 </p:sld>
 </file>
 
@@ -3133,6 +3144,13 @@
   <p:transition spd="slow">
     <p:push dir="r"/>
   </p:transition>
+  <p:timing>
+    <p:tnLst>
+      <p:par>
+        <p:cTn id="1" dur="indefinite" restart="never" nodeType="tmRoot"/>
+      </p:par>
+    </p:tnLst>
+  </p:timing>
 </p:sld>
 </file>
 
@@ -3231,6 +3249,13 @@
   <p:transition spd="slow">
     <p:push dir="r"/>
   </p:transition>
+  <p:timing>
+    <p:tnLst>
+      <p:par>
+        <p:cTn id="1" dur="indefinite" restart="never" nodeType="tmRoot"/>
+      </p:par>
+    </p:tnLst>
+  </p:timing>
 </p:sld>
 </file>
 
@@ -3326,6 +3351,13 @@
   <p:transition spd="slow">
     <p:push dir="r"/>
   </p:transition>
+  <p:timing>
+    <p:tnLst>
+      <p:par>
+        <p:cTn id="1" dur="indefinite" restart="never" nodeType="tmRoot"/>
+      </p:par>
+    </p:tnLst>
+  </p:timing>
 </p:sld>
 </file>
 
@@ -3425,6 +3457,13 @@
   <p:transition spd="slow">
     <p:push dir="r"/>
   </p:transition>
+  <p:timing>
+    <p:tnLst>
+      <p:par>
+        <p:cTn id="1" dur="indefinite" restart="never" nodeType="tmRoot"/>
+      </p:par>
+    </p:tnLst>
+  </p:timing>
 </p:sld>
 </file>
 
@@ -3556,6 +3595,462 @@
   <p:transition spd="slow">
     <p:push dir="r"/>
   </p:transition>
+  <p:timing>
+    <p:tnLst>
+      <p:par>
+        <p:cTn id="1" dur="indefinite" restart="never" nodeType="tmRoot"/>
+      </p:par>
+    </p:tnLst>
+  </p:timing>
+</p:sld>
+</file>
+
+<file path=ppt/slides/slide15.xml><?xml version="1.0" encoding="utf-8"?>
+<p:sld xmlns:a="http://schemas.openxmlformats.org/drawingml/2006/main" xmlns:r="http://schemas.openxmlformats.org/officeDocument/2006/relationships" xmlns:p="http://schemas.openxmlformats.org/presentationml/2006/main">
+  <p:cSld>
+    <p:spTree>
+      <p:nvGrpSpPr>
+        <p:cNvPr id="1" name=""/>
+        <p:cNvGrpSpPr/>
+        <p:nvPr/>
+      </p:nvGrpSpPr>
+      <p:grpSpPr>
+        <a:xfrm>
+          <a:off x="0" y="0"/>
+          <a:ext cx="0" cy="0"/>
+          <a:chOff x="0" y="0"/>
+          <a:chExt cx="0" cy="0"/>
+        </a:xfrm>
+      </p:grpSpPr>
+      <p:sp>
+        <p:nvSpPr>
+          <p:cNvPr id="2" name="Cím 1"/>
+          <p:cNvSpPr>
+            <a:spLocks noGrp="1"/>
+          </p:cNvSpPr>
+          <p:nvPr>
+            <p:ph type="title"/>
+          </p:nvPr>
+        </p:nvSpPr>
+        <p:spPr/>
+        <p:txBody>
+          <a:bodyPr/>
+          <a:lstStyle/>
+          <a:p>
+            <a:r>
+              <a:rPr lang="hu-HU" dirty="0" err="1" smtClean="0"/>
+              <a:t>Supbase</a:t>
+            </a:r>
+            <a:endParaRPr lang="hu-HU" dirty="0"/>
+          </a:p>
+        </p:txBody>
+      </p:sp>
+      <p:pic>
+        <p:nvPicPr>
+          <p:cNvPr id="4" name="Tartalom helye 3"/>
+          <p:cNvPicPr>
+            <a:picLocks noGrp="1" noChangeAspect="1"/>
+          </p:cNvPicPr>
+          <p:nvPr>
+            <p:ph idx="1"/>
+          </p:nvPr>
+        </p:nvPicPr>
+        <p:blipFill>
+          <a:blip r:embed="rId2"/>
+          <a:stretch>
+            <a:fillRect/>
+          </a:stretch>
+        </p:blipFill>
+        <p:spPr>
+          <a:xfrm>
+            <a:off x="1659727" y="1690688"/>
+            <a:ext cx="6792076" cy="4351338"/>
+          </a:xfrm>
+          <a:prstGeom prst="rect">
+            <a:avLst/>
+          </a:prstGeom>
+        </p:spPr>
+      </p:pic>
+    </p:spTree>
+    <p:extLst>
+      <p:ext uri="{BB962C8B-B14F-4D97-AF65-F5344CB8AC3E}">
+        <p14:creationId xmlns:p14="http://schemas.microsoft.com/office/powerpoint/2010/main" val="2696627923"/>
+      </p:ext>
+    </p:extLst>
+  </p:cSld>
+  <p:clrMapOvr>
+    <a:masterClrMapping/>
+  </p:clrMapOvr>
+  <p:transition spd="slow">
+    <p:push dir="r"/>
+  </p:transition>
+  <p:timing>
+    <p:tnLst>
+      <p:par>
+        <p:cTn id="1" dur="indefinite" restart="never" nodeType="tmRoot"/>
+      </p:par>
+    </p:tnLst>
+  </p:timing>
+</p:sld>
+</file>
+
+<file path=ppt/slides/slide16.xml><?xml version="1.0" encoding="utf-8"?>
+<p:sld xmlns:a="http://schemas.openxmlformats.org/drawingml/2006/main" xmlns:r="http://schemas.openxmlformats.org/officeDocument/2006/relationships" xmlns:p="http://schemas.openxmlformats.org/presentationml/2006/main">
+  <p:cSld>
+    <p:spTree>
+      <p:nvGrpSpPr>
+        <p:cNvPr id="1" name=""/>
+        <p:cNvGrpSpPr/>
+        <p:nvPr/>
+      </p:nvGrpSpPr>
+      <p:grpSpPr>
+        <a:xfrm>
+          <a:off x="0" y="0"/>
+          <a:ext cx="0" cy="0"/>
+          <a:chOff x="0" y="0"/>
+          <a:chExt cx="0" cy="0"/>
+        </a:xfrm>
+      </p:grpSpPr>
+      <p:sp>
+        <p:nvSpPr>
+          <p:cNvPr id="2" name="Cím 1"/>
+          <p:cNvSpPr>
+            <a:spLocks noGrp="1"/>
+          </p:cNvSpPr>
+          <p:nvPr>
+            <p:ph type="title"/>
+          </p:nvPr>
+        </p:nvSpPr>
+        <p:spPr/>
+        <p:txBody>
+          <a:bodyPr/>
+          <a:lstStyle/>
+          <a:p>
+            <a:r>
+              <a:rPr lang="hu-HU" dirty="0" smtClean="0"/>
+              <a:t>Nap vicce</a:t>
+            </a:r>
+            <a:endParaRPr lang="hu-HU" dirty="0"/>
+          </a:p>
+        </p:txBody>
+      </p:sp>
+      <p:pic>
+        <p:nvPicPr>
+          <p:cNvPr id="4" name="Tartalom helye 3"/>
+          <p:cNvPicPr>
+            <a:picLocks noGrp="1" noChangeAspect="1"/>
+          </p:cNvPicPr>
+          <p:nvPr>
+            <p:ph idx="1"/>
+          </p:nvPr>
+        </p:nvPicPr>
+        <p:blipFill>
+          <a:blip r:embed="rId2"/>
+          <a:stretch>
+            <a:fillRect/>
+          </a:stretch>
+        </p:blipFill>
+        <p:spPr>
+          <a:xfrm>
+            <a:off x="3490685" y="2887413"/>
+            <a:ext cx="4505954" cy="952633"/>
+          </a:xfrm>
+          <a:prstGeom prst="rect">
+            <a:avLst/>
+          </a:prstGeom>
+        </p:spPr>
+      </p:pic>
+    </p:spTree>
+    <p:extLst>
+      <p:ext uri="{BB962C8B-B14F-4D97-AF65-F5344CB8AC3E}">
+        <p14:creationId xmlns:p14="http://schemas.microsoft.com/office/powerpoint/2010/main" val="42519390"/>
+      </p:ext>
+    </p:extLst>
+  </p:cSld>
+  <p:clrMapOvr>
+    <a:masterClrMapping/>
+  </p:clrMapOvr>
+  <p:transition spd="slow">
+    <p:push dir="r"/>
+  </p:transition>
+  <p:timing>
+    <p:tnLst>
+      <p:par>
+        <p:cTn id="1" dur="indefinite" restart="never" nodeType="tmRoot"/>
+      </p:par>
+    </p:tnLst>
+  </p:timing>
+</p:sld>
+</file>
+
+<file path=ppt/slides/slide17.xml><?xml version="1.0" encoding="utf-8"?>
+<p:sld xmlns:a="http://schemas.openxmlformats.org/drawingml/2006/main" xmlns:r="http://schemas.openxmlformats.org/officeDocument/2006/relationships" xmlns:p="http://schemas.openxmlformats.org/presentationml/2006/main">
+  <p:cSld>
+    <p:spTree>
+      <p:nvGrpSpPr>
+        <p:cNvPr id="1" name=""/>
+        <p:cNvGrpSpPr/>
+        <p:nvPr/>
+      </p:nvGrpSpPr>
+      <p:grpSpPr>
+        <a:xfrm>
+          <a:off x="0" y="0"/>
+          <a:ext cx="0" cy="0"/>
+          <a:chOff x="0" y="0"/>
+          <a:chExt cx="0" cy="0"/>
+        </a:xfrm>
+      </p:grpSpPr>
+      <p:pic>
+        <p:nvPicPr>
+          <p:cNvPr id="4" name="Tartalom helye 3"/>
+          <p:cNvPicPr>
+            <a:picLocks noGrp="1" noChangeAspect="1"/>
+          </p:cNvPicPr>
+          <p:nvPr>
+            <p:ph idx="1"/>
+          </p:nvPr>
+        </p:nvPicPr>
+        <p:blipFill>
+          <a:blip r:embed="rId2"/>
+          <a:stretch>
+            <a:fillRect/>
+          </a:stretch>
+        </p:blipFill>
+        <p:spPr>
+          <a:xfrm>
+            <a:off x="1170887" y="2315517"/>
+            <a:ext cx="9850225" cy="2476846"/>
+          </a:xfrm>
+          <a:prstGeom prst="rect">
+            <a:avLst/>
+          </a:prstGeom>
+          <a:ln>
+            <a:solidFill>
+              <a:schemeClr val="accent1"/>
+            </a:solidFill>
+          </a:ln>
+        </p:spPr>
+      </p:pic>
+      <p:sp>
+        <p:nvSpPr>
+          <p:cNvPr id="5" name="Téglalap 4"/>
+          <p:cNvSpPr/>
+          <p:nvPr/>
+        </p:nvSpPr>
+        <p:spPr>
+          <a:xfrm>
+            <a:off x="7541703" y="2852257"/>
+            <a:ext cx="1333849" cy="1526796"/>
+          </a:xfrm>
+          <a:prstGeom prst="rect">
+            <a:avLst/>
+          </a:prstGeom>
+        </p:spPr>
+        <p:style>
+          <a:lnRef idx="2">
+            <a:schemeClr val="accent1">
+              <a:shade val="50000"/>
+            </a:schemeClr>
+          </a:lnRef>
+          <a:fillRef idx="1">
+            <a:schemeClr val="accent1"/>
+          </a:fillRef>
+          <a:effectRef idx="0">
+            <a:schemeClr val="accent1"/>
+          </a:effectRef>
+          <a:fontRef idx="minor">
+            <a:schemeClr val="lt1"/>
+          </a:fontRef>
+        </p:style>
+        <p:txBody>
+          <a:bodyPr rtlCol="0" anchor="ctr"/>
+          <a:lstStyle/>
+          <a:p>
+            <a:pPr algn="ctr"/>
+            <a:endParaRPr lang="hu-HU"/>
+          </a:p>
+        </p:txBody>
+      </p:sp>
+      <p:sp>
+        <p:nvSpPr>
+          <p:cNvPr id="6" name="Téglalap 5"/>
+          <p:cNvSpPr/>
+          <p:nvPr/>
+        </p:nvSpPr>
+        <p:spPr>
+          <a:xfrm>
+            <a:off x="2776756" y="4144161"/>
+            <a:ext cx="3934437" cy="310393"/>
+          </a:xfrm>
+          <a:prstGeom prst="rect">
+            <a:avLst/>
+          </a:prstGeom>
+        </p:spPr>
+        <p:style>
+          <a:lnRef idx="2">
+            <a:schemeClr val="accent1">
+              <a:shade val="50000"/>
+            </a:schemeClr>
+          </a:lnRef>
+          <a:fillRef idx="1">
+            <a:schemeClr val="accent1"/>
+          </a:fillRef>
+          <a:effectRef idx="0">
+            <a:schemeClr val="accent1"/>
+          </a:effectRef>
+          <a:fontRef idx="minor">
+            <a:schemeClr val="lt1"/>
+          </a:fontRef>
+        </p:style>
+        <p:txBody>
+          <a:bodyPr rtlCol="0" anchor="ctr"/>
+          <a:lstStyle/>
+          <a:p>
+            <a:pPr algn="ctr"/>
+            <a:endParaRPr lang="hu-HU"/>
+          </a:p>
+        </p:txBody>
+      </p:sp>
+      <p:sp>
+        <p:nvSpPr>
+          <p:cNvPr id="2" name="Cím 1"/>
+          <p:cNvSpPr>
+            <a:spLocks noGrp="1"/>
+          </p:cNvSpPr>
+          <p:nvPr>
+            <p:ph type="title"/>
+          </p:nvPr>
+        </p:nvSpPr>
+        <p:spPr/>
+        <p:txBody>
+          <a:bodyPr/>
+          <a:lstStyle/>
+          <a:p>
+            <a:r>
+              <a:rPr lang="hu-HU" dirty="0" err="1" smtClean="0"/>
+              <a:t>Felhasznalók</a:t>
+            </a:r>
+            <a:r>
+              <a:rPr lang="hu-HU" dirty="0" smtClean="0"/>
+              <a:t> </a:t>
+            </a:r>
+            <a:r>
+              <a:rPr lang="hu-HU" dirty="0" err="1" smtClean="0"/>
+              <a:t>tárolasa</a:t>
+            </a:r>
+            <a:endParaRPr lang="hu-HU" dirty="0"/>
+          </a:p>
+        </p:txBody>
+      </p:sp>
+    </p:spTree>
+    <p:extLst>
+      <p:ext uri="{BB962C8B-B14F-4D97-AF65-F5344CB8AC3E}">
+        <p14:creationId xmlns:p14="http://schemas.microsoft.com/office/powerpoint/2010/main" val="3356089200"/>
+      </p:ext>
+    </p:extLst>
+  </p:cSld>
+  <p:clrMapOvr>
+    <a:masterClrMapping/>
+  </p:clrMapOvr>
+  <p:transition spd="slow">
+    <p:push dir="r"/>
+  </p:transition>
+  <p:timing>
+    <p:tnLst>
+      <p:par>
+        <p:cTn id="1" dur="indefinite" restart="never" nodeType="tmRoot"/>
+      </p:par>
+    </p:tnLst>
+  </p:timing>
+</p:sld>
+</file>
+
+<file path=ppt/slides/slide18.xml><?xml version="1.0" encoding="utf-8"?>
+<p:sld xmlns:a="http://schemas.openxmlformats.org/drawingml/2006/main" xmlns:r="http://schemas.openxmlformats.org/officeDocument/2006/relationships" xmlns:p="http://schemas.openxmlformats.org/presentationml/2006/main">
+  <p:cSld>
+    <p:spTree>
+      <p:nvGrpSpPr>
+        <p:cNvPr id="1" name=""/>
+        <p:cNvGrpSpPr/>
+        <p:nvPr/>
+      </p:nvGrpSpPr>
+      <p:grpSpPr>
+        <a:xfrm>
+          <a:off x="0" y="0"/>
+          <a:ext cx="0" cy="0"/>
+          <a:chOff x="0" y="0"/>
+          <a:chExt cx="0" cy="0"/>
+        </a:xfrm>
+      </p:grpSpPr>
+      <p:sp>
+        <p:nvSpPr>
+          <p:cNvPr id="2" name="Cím 1"/>
+          <p:cNvSpPr>
+            <a:spLocks noGrp="1"/>
+          </p:cNvSpPr>
+          <p:nvPr>
+            <p:ph type="title"/>
+          </p:nvPr>
+        </p:nvSpPr>
+        <p:spPr/>
+        <p:txBody>
+          <a:bodyPr/>
+          <a:lstStyle/>
+          <a:p>
+            <a:r>
+              <a:rPr lang="hu-HU" dirty="0" smtClean="0"/>
+              <a:t>Beküldött viccek</a:t>
+            </a:r>
+            <a:endParaRPr lang="hu-HU" dirty="0"/>
+          </a:p>
+        </p:txBody>
+      </p:sp>
+      <p:pic>
+        <p:nvPicPr>
+          <p:cNvPr id="4" name="Tartalom helye 3"/>
+          <p:cNvPicPr>
+            <a:picLocks noGrp="1" noChangeAspect="1"/>
+          </p:cNvPicPr>
+          <p:nvPr>
+            <p:ph idx="1"/>
+          </p:nvPr>
+        </p:nvPicPr>
+        <p:blipFill>
+          <a:blip r:embed="rId2"/>
+          <a:stretch>
+            <a:fillRect/>
+          </a:stretch>
+        </p:blipFill>
+        <p:spPr>
+          <a:xfrm>
+            <a:off x="1732941" y="3258240"/>
+            <a:ext cx="8726118" cy="1486107"/>
+          </a:xfrm>
+          <a:prstGeom prst="rect">
+            <a:avLst/>
+          </a:prstGeom>
+        </p:spPr>
+      </p:pic>
+    </p:spTree>
+    <p:extLst>
+      <p:ext uri="{BB962C8B-B14F-4D97-AF65-F5344CB8AC3E}">
+        <p14:creationId xmlns:p14="http://schemas.microsoft.com/office/powerpoint/2010/main" val="3674325885"/>
+      </p:ext>
+    </p:extLst>
+  </p:cSld>
+  <p:clrMapOvr>
+    <a:masterClrMapping/>
+  </p:clrMapOvr>
+  <p:transition spd="slow">
+    <p:push dir="r"/>
+  </p:transition>
+  <p:timing>
+    <p:tnLst>
+      <p:par>
+        <p:cTn id="1" dur="indefinite" restart="never" nodeType="tmRoot"/>
+      </p:par>
+    </p:tnLst>
+  </p:timing>
 </p:sld>
 </file>
 
@@ -3692,6 +4187,13 @@
   <p:transition spd="slow">
     <p:push dir="r"/>
   </p:transition>
+  <p:timing>
+    <p:tnLst>
+      <p:par>
+        <p:cTn id="1" dur="indefinite" restart="never" nodeType="tmRoot"/>
+      </p:par>
+    </p:tnLst>
+  </p:timing>
 </p:sld>
 </file>
 
@@ -3815,6 +4317,13 @@
   <p:transition spd="slow">
     <p:push dir="r"/>
   </p:transition>
+  <p:timing>
+    <p:tnLst>
+      <p:par>
+        <p:cTn id="1" dur="indefinite" restart="never" nodeType="tmRoot"/>
+      </p:par>
+    </p:tnLst>
+  </p:timing>
 </p:sld>
 </file>
 
@@ -3944,6 +4453,13 @@
   <p:transition spd="slow">
     <p:push dir="r"/>
   </p:transition>
+  <p:timing>
+    <p:tnLst>
+      <p:par>
+        <p:cTn id="1" dur="indefinite" restart="never" nodeType="tmRoot"/>
+      </p:par>
+    </p:tnLst>
+  </p:timing>
 </p:sld>
 </file>
 
@@ -4073,6 +4589,13 @@
   <p:transition spd="slow">
     <p:push dir="r"/>
   </p:transition>
+  <p:timing>
+    <p:tnLst>
+      <p:par>
+        <p:cTn id="1" dur="indefinite" restart="never" nodeType="tmRoot"/>
+      </p:par>
+    </p:tnLst>
+  </p:timing>
 </p:sld>
 </file>
 
@@ -4196,6 +4719,13 @@
   <p:transition spd="slow">
     <p:push dir="r"/>
   </p:transition>
+  <p:timing>
+    <p:tnLst>
+      <p:par>
+        <p:cTn id="1" dur="indefinite" restart="never" nodeType="tmRoot"/>
+      </p:par>
+    </p:tnLst>
+  </p:timing>
 </p:sld>
 </file>
 
@@ -4319,6 +4849,13 @@
   <p:transition spd="slow">
     <p:push dir="r"/>
   </p:transition>
+  <p:timing>
+    <p:tnLst>
+      <p:par>
+        <p:cTn id="1" dur="indefinite" restart="never" nodeType="tmRoot"/>
+      </p:par>
+    </p:tnLst>
+  </p:timing>
 </p:sld>
 </file>
 
@@ -4445,6 +4982,13 @@
   <p:transition spd="slow">
     <p:push dir="r"/>
   </p:transition>
+  <p:timing>
+    <p:tnLst>
+      <p:par>
+        <p:cTn id="1" dur="indefinite" restart="never" nodeType="tmRoot"/>
+      </p:par>
+    </p:tnLst>
+  </p:timing>
 </p:sld>
 </file>
 
@@ -4609,6 +5153,13 @@
   <p:transition spd="slow">
     <p:push dir="r"/>
   </p:transition>
+  <p:timing>
+    <p:tnLst>
+      <p:par>
+        <p:cTn id="1" dur="indefinite" restart="never" nodeType="tmRoot"/>
+      </p:par>
+    </p:tnLst>
+  </p:timing>
 </p:sld>
 </file>
 
